--- a/HTML/HTML.pptx
+++ b/HTML/HTML.pptx
@@ -209,7 +209,7 @@
           <a:p>
             <a:fld id="{DE1FCF80-6265-D644-ABC5-ACA5EAE685C4}" type="datetimeFigureOut">
               <a:rPr lang="en-US" smtClean="0"/>
-              <a:t>5/29/13</a:t>
+              <a:t>5/30/13</a:t>
             </a:fld>
             <a:endParaRPr lang="en-US"/>
           </a:p>
@@ -888,7 +888,7 @@
             <a:fld id="{451DEABC-D766-4322-8E78-B830FAE35C72}" type="datetime4">
               <a:rPr lang="en-US" smtClean="0"/>
               <a:pPr/>
-              <a:t>May 28, 2013</a:t>
+              <a:t>May 30, 2013</a:t>
             </a:fld>
             <a:endParaRPr lang="en-US" dirty="0"/>
           </a:p>
@@ -1155,7 +1155,7 @@
             <a:fld id="{F3131F9E-604E-4343-9F29-EF72E8231CAD}" type="datetime4">
               <a:rPr lang="en-US" smtClean="0"/>
               <a:pPr/>
-              <a:t>May 28, 2013</a:t>
+              <a:t>May 30, 2013</a:t>
             </a:fld>
             <a:endParaRPr lang="en-US"/>
           </a:p>
@@ -1332,7 +1332,7 @@
             <a:fld id="{34A8E1CE-37F8-4102-8DF9-852A0A51F293}" type="datetime4">
               <a:rPr lang="en-US" smtClean="0"/>
               <a:pPr/>
-              <a:t>May 28, 2013</a:t>
+              <a:t>May 30, 2013</a:t>
             </a:fld>
             <a:endParaRPr lang="en-US"/>
           </a:p>
@@ -1499,7 +1499,7 @@
             <a:fld id="{93333F43-3E86-47E4-BFBB-2476D384E1C6}" type="datetime4">
               <a:rPr lang="en-US" smtClean="0"/>
               <a:pPr/>
-              <a:t>May 28, 2013</a:t>
+              <a:t>May 30, 2013</a:t>
             </a:fld>
             <a:endParaRPr lang="en-US"/>
           </a:p>
@@ -1750,7 +1750,7 @@
             <a:fld id="{751663BA-01FC-4367-B6F3-ABB2645D55F1}" type="datetime4">
               <a:rPr lang="en-US" smtClean="0"/>
               <a:pPr/>
-              <a:t>May 28, 2013</a:t>
+              <a:t>May 30, 2013</a:t>
             </a:fld>
             <a:endParaRPr lang="en-US" dirty="0"/>
           </a:p>
@@ -2035,7 +2035,7 @@
             <a:fld id="{79B19C71-EC74-44AF-B27E-FC7DC3C3A61D}" type="datetime4">
               <a:rPr lang="en-US" smtClean="0"/>
               <a:pPr/>
-              <a:t>May 28, 2013</a:t>
+              <a:t>May 30, 2013</a:t>
             </a:fld>
             <a:endParaRPr lang="en-US"/>
           </a:p>
@@ -2476,7 +2476,7 @@
             <a:fld id="{6A5CDA29-3CBE-48EA-92AE-A996835462BA}" type="datetime4">
               <a:rPr lang="en-US" smtClean="0"/>
               <a:pPr/>
-              <a:t>May 28, 2013</a:t>
+              <a:t>May 30, 2013</a:t>
             </a:fld>
             <a:endParaRPr lang="en-US"/>
           </a:p>
@@ -2591,7 +2591,7 @@
             <a:fld id="{E29EC054-3869-4501-B163-1BBFDE8DCE04}" type="datetime4">
               <a:rPr lang="en-US" smtClean="0"/>
               <a:pPr/>
-              <a:t>May 28, 2013</a:t>
+              <a:t>May 30, 2013</a:t>
             </a:fld>
             <a:endParaRPr lang="en-US"/>
           </a:p>
@@ -2683,7 +2683,7 @@
             <a:fld id="{0A63D831-56C1-49CF-8EF7-8B9A98402BCD}" type="datetime4">
               <a:rPr lang="en-US" smtClean="0"/>
               <a:pPr/>
-              <a:t>May 28, 2013</a:t>
+              <a:t>May 30, 2013</a:t>
             </a:fld>
             <a:endParaRPr lang="en-US"/>
           </a:p>
@@ -2927,7 +2927,7 @@
             <a:fld id="{6EAD5615-7F4F-4584-84D5-CC95918C321F}" type="datetime4">
               <a:rPr lang="en-US" smtClean="0"/>
               <a:pPr/>
-              <a:t>May 28, 2013</a:t>
+              <a:t>May 30, 2013</a:t>
             </a:fld>
             <a:endParaRPr lang="en-US"/>
           </a:p>
@@ -3223,7 +3223,7 @@
             <a:fld id="{76EEA923-9BEE-48CE-9F28-5B525F399BAD}" type="datetime4">
               <a:rPr lang="en-US" smtClean="0"/>
               <a:pPr/>
-              <a:t>May 28, 2013</a:t>
+              <a:t>May 30, 2013</a:t>
             </a:fld>
             <a:endParaRPr lang="en-US"/>
           </a:p>
@@ -3519,7 +3519,7 @@
             <a:fld id="{17D0EFEE-2756-4A20-BF2A-63F0A94F99AC}" type="datetime4">
               <a:rPr lang="en-US" smtClean="0"/>
               <a:pPr/>
-              <a:t>May 28, 2013</a:t>
+              <a:t>May 30, 2013</a:t>
             </a:fld>
             <a:endParaRPr lang="en-US" dirty="0"/>
           </a:p>
@@ -4284,11 +4284,7 @@
             </a:pPr>
             <a:r>
               <a:rPr lang="en-US" sz="1200" dirty="0" smtClean="0"/>
-              <a:t>          &lt;/</a:t>
-            </a:r>
-            <a:r>
-              <a:rPr lang="en-US" sz="1200" dirty="0" smtClean="0"/>
-              <a:t>div&gt;</a:t>
+              <a:t>          &lt;/div&gt;</a:t>
             </a:r>
             <a:endParaRPr lang="en-US" sz="1200" dirty="0"/>
           </a:p>
@@ -4935,13 +4931,8 @@
           <a:p>
             <a:r>
               <a:rPr lang="en-US" dirty="0" smtClean="0"/>
-              <a:t>Layout </a:t>
-            </a:r>
-            <a:r>
-              <a:rPr lang="en-US" dirty="0" smtClean="0"/>
-              <a:t>engine</a:t>
-            </a:r>
-            <a:endParaRPr lang="en-US" dirty="0" smtClean="0"/>
+              <a:t>Layout engine</a:t>
+            </a:r>
           </a:p>
           <a:p>
             <a:r>
@@ -5099,11 +5090,7 @@
             </a:r>
             <a:r>
               <a:rPr lang="en-US" dirty="0" smtClean="0"/>
-              <a:t>. Make </a:t>
-            </a:r>
-            <a:r>
-              <a:rPr lang="en-US" dirty="0" smtClean="0"/>
-              <a:t>the element sem</a:t>
+              <a:t>. Make the element sem</a:t>
             </a:r>
             <a:r>
               <a:rPr lang="en-US" altLang="zh-CN" dirty="0" smtClean="0"/>
@@ -5216,8 +5203,8 @@
               <a:t>/</a:t>
             </a:r>
             <a:r>
-              <a:rPr lang="nl-NL" dirty="0" err="1"/>
-              <a:t>frondendtraining</a:t>
+              <a:rPr lang="nl-NL" dirty="0" err="1" smtClean="0"/>
+              <a:t>frontendtraining</a:t>
             </a:r>
             <a:endParaRPr lang="en-US" dirty="0"/>
           </a:p>
@@ -6037,21 +6024,80 @@
           <a:p>
             <a:r>
               <a:rPr lang="en-US" sz="1400" b="1" dirty="0"/>
+              <a:t>       &lt;h1&gt;Title&lt;/h1&gt;</a:t>
+            </a:r>
+          </a:p>
+          <a:p>
+            <a:r>
+              <a:rPr lang="en-US" sz="1400" b="1" dirty="0"/>
+              <a:t>&lt;/header&gt;</a:t>
+            </a:r>
+          </a:p>
+          <a:p>
+            <a:r>
+              <a:rPr lang="en-US" sz="1400" b="1" dirty="0"/>
+              <a:t>&lt;</a:t>
+            </a:r>
+            <a:r>
+              <a:rPr lang="en-US" sz="1400" b="1" dirty="0" err="1"/>
+              <a:t>nav</a:t>
+            </a:r>
+            <a:r>
+              <a:rPr lang="en-US" sz="1400" b="1" dirty="0" smtClean="0"/>
+              <a:t>&gt;</a:t>
+            </a:r>
+          </a:p>
+          <a:p>
+            <a:r>
+              <a:rPr lang="en-US" sz="1400" b="1" dirty="0" smtClean="0"/>
+              <a:t>       &lt;</a:t>
+            </a:r>
+            <a:r>
+              <a:rPr lang="en-US" sz="1400" b="1" dirty="0" err="1" smtClean="0"/>
+              <a:t>ul</a:t>
+            </a:r>
+            <a:r>
+              <a:rPr lang="en-US" sz="1400" b="1" dirty="0" smtClean="0"/>
+              <a:t>&gt;</a:t>
+            </a:r>
+          </a:p>
+          <a:p>
+            <a:r>
+              <a:rPr lang="en-US" sz="1400" b="1" dirty="0"/>
+              <a:t>  </a:t>
+            </a:r>
+            <a:r>
+              <a:rPr lang="en-US" sz="1400" b="1" dirty="0" smtClean="0"/>
+              <a:t>             &lt;li&gt;&lt;/li&gt;</a:t>
+            </a:r>
+          </a:p>
+          <a:p>
+            <a:r>
+              <a:rPr lang="en-US" sz="1400" b="1" dirty="0"/>
               <a:t> </a:t>
             </a:r>
             <a:r>
+              <a:rPr lang="en-US" sz="1400" b="1" dirty="0" smtClean="0"/>
+              <a:t>      &lt;/</a:t>
+            </a:r>
+            <a:r>
+              <a:rPr lang="en-US" sz="1400" b="1" dirty="0" err="1" smtClean="0"/>
+              <a:t>ul</a:t>
+            </a:r>
+            <a:r>
+              <a:rPr lang="en-US" sz="1400" b="1" dirty="0" smtClean="0"/>
+              <a:t>&gt;</a:t>
+            </a:r>
+            <a:endParaRPr lang="en-US" sz="1400" b="1" dirty="0"/>
+          </a:p>
+          <a:p>
+            <a:r>
               <a:rPr lang="en-US" sz="1400" b="1" dirty="0"/>
-              <a:t>      &lt;</a:t>
-            </a:r>
-            <a:r>
-              <a:rPr lang="en-US" sz="1400" b="1" dirty="0"/>
-              <a:t>h1&gt;Title&lt;/h1&gt;</a:t>
-            </a:r>
-          </a:p>
-          <a:p>
-            <a:r>
-              <a:rPr lang="en-US" sz="1400" b="1" dirty="0"/>
-              <a:t>&lt;/header</a:t>
+              <a:t>&lt;/</a:t>
+            </a:r>
+            <a:r>
+              <a:rPr lang="en-US" sz="1400" b="1" dirty="0" err="1"/>
+              <a:t>nav</a:t>
             </a:r>
             <a:r>
               <a:rPr lang="en-US" sz="1400" b="1" dirty="0"/>
@@ -6061,11 +6107,47 @@
           <a:p>
             <a:r>
               <a:rPr lang="en-US" sz="1400" b="1" dirty="0"/>
-              <a:t>&lt;</a:t>
-            </a:r>
-            <a:r>
-              <a:rPr lang="en-US" sz="1400" b="1" dirty="0" err="1"/>
-              <a:t>nav</a:t>
+              <a:t>&lt;aside&gt;</a:t>
+            </a:r>
+          </a:p>
+          <a:p>
+            <a:r>
+              <a:rPr lang="en-US" sz="1400" b="1" dirty="0"/>
+              <a:t>       &lt;p&gt;illustration&lt;/p&gt;</a:t>
+            </a:r>
+          </a:p>
+          <a:p>
+            <a:r>
+              <a:rPr lang="en-US" sz="1400" b="1" dirty="0"/>
+              <a:t>&lt;/aside&gt;</a:t>
+            </a:r>
+          </a:p>
+          <a:p>
+            <a:r>
+              <a:rPr lang="en-US" sz="1400" b="1" dirty="0" smtClean="0"/>
+              <a:t>&lt;article&gt;</a:t>
+            </a:r>
+            <a:endParaRPr lang="en-US" sz="1400" b="1" dirty="0"/>
+          </a:p>
+          <a:p>
+            <a:pPr lvl="1"/>
+            <a:r>
+              <a:rPr lang="en-US" sz="1400" b="1" dirty="0" smtClean="0"/>
+              <a:t>&lt;section&gt;</a:t>
+            </a:r>
+          </a:p>
+          <a:p>
+            <a:pPr lvl="2"/>
+            <a:r>
+              <a:rPr lang="en-US" sz="1400" b="1" dirty="0"/>
+              <a:t>&lt;h2&gt;Title&lt;/h2&gt;</a:t>
+            </a:r>
+          </a:p>
+          <a:p>
+            <a:pPr lvl="2"/>
+            <a:r>
+              <a:rPr lang="en-US" sz="1400" b="1" dirty="0"/>
+              <a:t>&lt;p&gt;content&lt;/p</a:t>
             </a:r>
             <a:r>
               <a:rPr lang="en-US" sz="1400" b="1" dirty="0" smtClean="0"/>
@@ -6073,122 +6155,6 @@
             </a:r>
           </a:p>
           <a:p>
-            <a:r>
-              <a:rPr lang="en-US" sz="1400" b="1" dirty="0" smtClean="0"/>
-              <a:t>       &lt;</a:t>
-            </a:r>
-            <a:r>
-              <a:rPr lang="en-US" sz="1400" b="1" dirty="0" err="1" smtClean="0"/>
-              <a:t>ul</a:t>
-            </a:r>
-            <a:r>
-              <a:rPr lang="en-US" sz="1400" b="1" dirty="0" smtClean="0"/>
-              <a:t>&gt;</a:t>
-            </a:r>
-          </a:p>
-          <a:p>
-            <a:r>
-              <a:rPr lang="en-US" sz="1400" b="1" dirty="0"/>
-              <a:t>  </a:t>
-            </a:r>
-            <a:r>
-              <a:rPr lang="en-US" sz="1400" b="1" dirty="0" smtClean="0"/>
-              <a:t>             &lt;li&gt;&lt;/li&gt;</a:t>
-            </a:r>
-          </a:p>
-          <a:p>
-            <a:r>
-              <a:rPr lang="en-US" sz="1400" b="1" dirty="0"/>
-              <a:t> </a:t>
-            </a:r>
-            <a:r>
-              <a:rPr lang="en-US" sz="1400" b="1" dirty="0" smtClean="0"/>
-              <a:t>      &lt;/</a:t>
-            </a:r>
-            <a:r>
-              <a:rPr lang="en-US" sz="1400" b="1" dirty="0" err="1" smtClean="0"/>
-              <a:t>ul</a:t>
-            </a:r>
-            <a:r>
-              <a:rPr lang="en-US" sz="1400" b="1" dirty="0" smtClean="0"/>
-              <a:t>&gt;</a:t>
-            </a:r>
-            <a:endParaRPr lang="en-US" sz="1400" b="1" dirty="0"/>
-          </a:p>
-          <a:p>
-            <a:r>
-              <a:rPr lang="en-US" sz="1400" b="1" dirty="0"/>
-              <a:t>&lt;/</a:t>
-            </a:r>
-            <a:r>
-              <a:rPr lang="en-US" sz="1400" b="1" dirty="0" err="1"/>
-              <a:t>nav</a:t>
-            </a:r>
-            <a:r>
-              <a:rPr lang="en-US" sz="1400" b="1" dirty="0"/>
-              <a:t>&gt;</a:t>
-            </a:r>
-            <a:endParaRPr lang="en-US" sz="1400" b="1" dirty="0"/>
-          </a:p>
-          <a:p>
-            <a:r>
-              <a:rPr lang="en-US" sz="1400" b="1" dirty="0"/>
-              <a:t>&lt;aside&gt;</a:t>
-            </a:r>
-          </a:p>
-          <a:p>
-            <a:r>
-              <a:rPr lang="en-US" sz="1400" b="1" dirty="0"/>
-              <a:t> </a:t>
-            </a:r>
-            <a:r>
-              <a:rPr lang="en-US" sz="1400" b="1" dirty="0"/>
-              <a:t>      &lt;</a:t>
-            </a:r>
-            <a:r>
-              <a:rPr lang="en-US" sz="1400" b="1" dirty="0"/>
-              <a:t>p&gt;illustration&lt;/p&gt;</a:t>
-            </a:r>
-          </a:p>
-          <a:p>
-            <a:r>
-              <a:rPr lang="en-US" sz="1400" b="1" dirty="0"/>
-              <a:t>&lt;/aside&gt;</a:t>
-            </a:r>
-          </a:p>
-          <a:p>
-            <a:r>
-              <a:rPr lang="en-US" sz="1400" b="1" dirty="0" smtClean="0"/>
-              <a:t>&lt;article&gt;</a:t>
-            </a:r>
-            <a:endParaRPr lang="en-US" sz="1400" b="1" dirty="0"/>
-          </a:p>
-          <a:p>
-            <a:pPr lvl="1"/>
-            <a:r>
-              <a:rPr lang="en-US" sz="1400" b="1" dirty="0" smtClean="0"/>
-              <a:t>&lt;section&gt;</a:t>
-            </a:r>
-          </a:p>
-          <a:p>
-            <a:pPr lvl="2"/>
-            <a:r>
-              <a:rPr lang="en-US" sz="1400" b="1" dirty="0"/>
-              <a:t>&lt;h2&gt;Title&lt;/h2&gt;</a:t>
-            </a:r>
-          </a:p>
-          <a:p>
-            <a:pPr lvl="2"/>
-            <a:r>
-              <a:rPr lang="en-US" sz="1400" b="1" dirty="0"/>
-              <a:t>&lt;p&gt;content&lt;/p</a:t>
-            </a:r>
-            <a:r>
-              <a:rPr lang="en-US" sz="1400" b="1" dirty="0" smtClean="0"/>
-              <a:t>&gt;</a:t>
-            </a:r>
-          </a:p>
-          <a:p>
             <a:pPr lvl="1"/>
             <a:r>
               <a:rPr lang="en-US" sz="1400" b="1" dirty="0" smtClean="0"/>
@@ -6204,7 +6170,6 @@
               <a:rPr lang="en-US" sz="1400" b="1" dirty="0"/>
               <a:t>…</a:t>
             </a:r>
-            <a:endParaRPr lang="en-US" sz="1400" b="1" dirty="0"/>
           </a:p>
           <a:p>
             <a:r>
@@ -6226,11 +6191,7 @@
           <a:p>
             <a:r>
               <a:rPr lang="en-US" sz="1400" b="1" dirty="0"/>
-              <a:t>       &lt;</a:t>
-            </a:r>
-            <a:r>
-              <a:rPr lang="en-US" sz="1400" b="1" dirty="0"/>
-              <a:t>p&gt;content&lt;/p&gt;</a:t>
+              <a:t>       &lt;p&gt;content&lt;/p&gt;</a:t>
             </a:r>
           </a:p>
           <a:p>
@@ -7246,22 +7207,13 @@
           <a:p>
             <a:r>
               <a:rPr lang="en-US" dirty="0" smtClean="0"/>
-              <a:t>    h1-h6, </a:t>
-            </a:r>
+              <a:t>    h1-h6, p</a:t>
+            </a:r>
+          </a:p>
+          <a:p>
             <a:r>
               <a:rPr lang="en-US" dirty="0" smtClean="0"/>
-              <a:t>p</a:t>
-            </a:r>
-            <a:endParaRPr lang="en-US" dirty="0" smtClean="0"/>
-          </a:p>
-          <a:p>
-            <a:r>
-              <a:rPr lang="en-US" dirty="0" smtClean="0"/>
-              <a:t>Inline </a:t>
-            </a:r>
-            <a:r>
-              <a:rPr lang="en-US" dirty="0" smtClean="0"/>
-              <a:t>tags</a:t>
+              <a:t>Inline tags</a:t>
             </a:r>
           </a:p>
           <a:p>
@@ -7410,7 +7362,6 @@
               <a:rPr lang="en-US" dirty="0" smtClean="0"/>
               <a:t>Links &lt;a&gt;</a:t>
             </a:r>
-            <a:endParaRPr lang="en-US" dirty="0" smtClean="0"/>
           </a:p>
           <a:p>
             <a:r>
@@ -7449,7 +7400,6 @@
               <a:rPr lang="en-US" dirty="0" smtClean="0"/>
               <a:t>&gt;</a:t>
             </a:r>
-            <a:endParaRPr lang="en-US" dirty="0" smtClean="0"/>
           </a:p>
           <a:p>
             <a:r>
@@ -7464,14 +7414,12 @@
               <a:rPr lang="en-US" dirty="0" smtClean="0"/>
               <a:t>&gt;</a:t>
             </a:r>
-            <a:endParaRPr lang="en-US" dirty="0" smtClean="0"/>
           </a:p>
           <a:p>
             <a:r>
               <a:rPr lang="en-US" dirty="0" smtClean="0"/>
               <a:t>Forms &lt;form&gt; &lt;input&gt;</a:t>
             </a:r>
-            <a:endParaRPr lang="en-US" dirty="0" smtClean="0"/>
           </a:p>
           <a:p>
             <a:r>
@@ -7494,7 +7442,6 @@
               <a:rPr lang="en-US" dirty="0" smtClean="0"/>
               <a:t>&gt;</a:t>
             </a:r>
-            <a:endParaRPr lang="en-US" dirty="0" smtClean="0"/>
           </a:p>
           <a:p>
             <a:r>
@@ -7503,20 +7450,14 @@
             </a:r>
             <a:r>
               <a:rPr lang="en-US" dirty="0" smtClean="0"/>
-              <a:t> </a:t>
-            </a:r>
-            <a:r>
-              <a:rPr lang="en-US" dirty="0" smtClean="0"/>
-              <a:t>&lt;div&gt;</a:t>
-            </a:r>
-            <a:endParaRPr lang="en-US" dirty="0" smtClean="0"/>
+              <a:t> &lt;div&gt;</a:t>
+            </a:r>
           </a:p>
           <a:p>
             <a:r>
               <a:rPr lang="en-US" dirty="0" smtClean="0"/>
               <a:t>Span &lt;span&gt;</a:t>
             </a:r>
-            <a:endParaRPr lang="en-US" dirty="0" smtClean="0"/>
           </a:p>
           <a:p>
             <a:endParaRPr lang="en-US" dirty="0" smtClean="0"/>
@@ -7605,52 +7546,35 @@
               <a:rPr lang="en-US" dirty="0" smtClean="0"/>
               <a:t>&lt;title&gt;</a:t>
             </a:r>
-            <a:endParaRPr lang="en-US" dirty="0" smtClean="0"/>
           </a:p>
           <a:p>
             <a:r>
               <a:rPr lang="en-US" dirty="0" smtClean="0"/>
-              <a:t>&lt;m</a:t>
-            </a:r>
-            <a:r>
-              <a:rPr lang="en-US" dirty="0" smtClean="0"/>
-              <a:t>eta&gt;</a:t>
-            </a:r>
-            <a:endParaRPr lang="en-US" dirty="0" smtClean="0"/>
+              <a:t>&lt;meta&gt;</a:t>
+            </a:r>
           </a:p>
           <a:p>
             <a:r>
               <a:rPr lang="en-US" dirty="0" smtClean="0"/>
               <a:t>&lt;script&gt;</a:t>
             </a:r>
-            <a:endParaRPr lang="en-US" dirty="0" smtClean="0"/>
           </a:p>
           <a:p>
             <a:r>
               <a:rPr lang="en-US" dirty="0" smtClean="0"/>
               <a:t>&lt;link&gt;</a:t>
             </a:r>
-            <a:endParaRPr lang="en-US" dirty="0" smtClean="0"/>
           </a:p>
           <a:p>
             <a:r>
               <a:rPr lang="en-US" dirty="0" smtClean="0"/>
               <a:t>&lt;base&gt;</a:t>
             </a:r>
-            <a:endParaRPr lang="en-US" dirty="0" smtClean="0"/>
           </a:p>
           <a:p>
             <a:r>
               <a:rPr lang="en-US" dirty="0" smtClean="0"/>
-              <a:t>&lt;meta name=“viewpoint” content=“widt</a:t>
-            </a:r>
-            <a:r>
-              <a:rPr lang="en-US" dirty="0" smtClean="0"/>
-              <a:t>h=device-width, initial-scale=1.0</a:t>
-            </a:r>
-            <a:r>
-              <a:rPr lang="en-US" dirty="0" smtClean="0"/>
-              <a:t>” /&gt;</a:t>
+              <a:t>&lt;meta name=“viewpoint” content=“width=device-width, initial-scale=1.0” /&gt;</a:t>
             </a:r>
             <a:endParaRPr lang="en-US" dirty="0"/>
           </a:p>
